--- a/2_Dokumentation/GesamtDokmentationTex/2_GlobalPlaner/img/Bilder_ROSNavigation.pptx
+++ b/2_Dokumentation/GesamtDokmentationTex/2_GlobalPlaner/img/Bilder_ROSNavigation.pptx
@@ -6,6 +6,7 @@
   </p:sldMasterIdLst>
   <p:sldIdLst>
     <p:sldId id="257" r:id="rId2"/>
+    <p:sldId id="258" r:id="rId3"/>
   </p:sldIdLst>
   <p:sldSz cx="12192000" cy="6858000"/>
   <p:notesSz cx="6858000" cy="9144000"/>
@@ -243,7 +244,7 @@
           <a:p>
             <a:fld id="{B646E96E-03D0-4F88-AA20-EBA71831C822}" type="datetimeFigureOut">
               <a:rPr lang="de-DE" smtClean="0"/>
-              <a:t>20.11.2017</a:t>
+              <a:t>25.02.2018</a:t>
             </a:fld>
             <a:endParaRPr lang="de-DE"/>
           </a:p>
@@ -413,7 +414,7 @@
           <a:p>
             <a:fld id="{B646E96E-03D0-4F88-AA20-EBA71831C822}" type="datetimeFigureOut">
               <a:rPr lang="de-DE" smtClean="0"/>
-              <a:t>20.11.2017</a:t>
+              <a:t>25.02.2018</a:t>
             </a:fld>
             <a:endParaRPr lang="de-DE"/>
           </a:p>
@@ -593,7 +594,7 @@
           <a:p>
             <a:fld id="{B646E96E-03D0-4F88-AA20-EBA71831C822}" type="datetimeFigureOut">
               <a:rPr lang="de-DE" smtClean="0"/>
-              <a:t>20.11.2017</a:t>
+              <a:t>25.02.2018</a:t>
             </a:fld>
             <a:endParaRPr lang="de-DE"/>
           </a:p>
@@ -763,7 +764,7 @@
           <a:p>
             <a:fld id="{B646E96E-03D0-4F88-AA20-EBA71831C822}" type="datetimeFigureOut">
               <a:rPr lang="de-DE" smtClean="0"/>
-              <a:t>20.11.2017</a:t>
+              <a:t>25.02.2018</a:t>
             </a:fld>
             <a:endParaRPr lang="de-DE"/>
           </a:p>
@@ -1009,7 +1010,7 @@
           <a:p>
             <a:fld id="{B646E96E-03D0-4F88-AA20-EBA71831C822}" type="datetimeFigureOut">
               <a:rPr lang="de-DE" smtClean="0"/>
-              <a:t>20.11.2017</a:t>
+              <a:t>25.02.2018</a:t>
             </a:fld>
             <a:endParaRPr lang="de-DE"/>
           </a:p>
@@ -1241,7 +1242,7 @@
           <a:p>
             <a:fld id="{B646E96E-03D0-4F88-AA20-EBA71831C822}" type="datetimeFigureOut">
               <a:rPr lang="de-DE" smtClean="0"/>
-              <a:t>20.11.2017</a:t>
+              <a:t>25.02.2018</a:t>
             </a:fld>
             <a:endParaRPr lang="de-DE"/>
           </a:p>
@@ -1608,7 +1609,7 @@
           <a:p>
             <a:fld id="{B646E96E-03D0-4F88-AA20-EBA71831C822}" type="datetimeFigureOut">
               <a:rPr lang="de-DE" smtClean="0"/>
-              <a:t>20.11.2017</a:t>
+              <a:t>25.02.2018</a:t>
             </a:fld>
             <a:endParaRPr lang="de-DE"/>
           </a:p>
@@ -1726,7 +1727,7 @@
           <a:p>
             <a:fld id="{B646E96E-03D0-4F88-AA20-EBA71831C822}" type="datetimeFigureOut">
               <a:rPr lang="de-DE" smtClean="0"/>
-              <a:t>20.11.2017</a:t>
+              <a:t>25.02.2018</a:t>
             </a:fld>
             <a:endParaRPr lang="de-DE"/>
           </a:p>
@@ -1821,7 +1822,7 @@
           <a:p>
             <a:fld id="{B646E96E-03D0-4F88-AA20-EBA71831C822}" type="datetimeFigureOut">
               <a:rPr lang="de-DE" smtClean="0"/>
-              <a:t>20.11.2017</a:t>
+              <a:t>25.02.2018</a:t>
             </a:fld>
             <a:endParaRPr lang="de-DE"/>
           </a:p>
@@ -2098,7 +2099,7 @@
           <a:p>
             <a:fld id="{B646E96E-03D0-4F88-AA20-EBA71831C822}" type="datetimeFigureOut">
               <a:rPr lang="de-DE" smtClean="0"/>
-              <a:t>20.11.2017</a:t>
+              <a:t>25.02.2018</a:t>
             </a:fld>
             <a:endParaRPr lang="de-DE"/>
           </a:p>
@@ -2351,7 +2352,7 @@
           <a:p>
             <a:fld id="{B646E96E-03D0-4F88-AA20-EBA71831C822}" type="datetimeFigureOut">
               <a:rPr lang="de-DE" smtClean="0"/>
-              <a:t>20.11.2017</a:t>
+              <a:t>25.02.2018</a:t>
             </a:fld>
             <a:endParaRPr lang="de-DE"/>
           </a:p>
@@ -2564,7 +2565,7 @@
           <a:p>
             <a:fld id="{B646E96E-03D0-4F88-AA20-EBA71831C822}" type="datetimeFigureOut">
               <a:rPr lang="de-DE" smtClean="0"/>
-              <a:t>20.11.2017</a:t>
+              <a:t>25.02.2018</a:t>
             </a:fld>
             <a:endParaRPr lang="de-DE"/>
           </a:p>
@@ -3984,8 +3985,8 @@
           </a:p>
         </p:txBody>
       </p:sp>
-      <mc:AlternateContent xmlns:mc="http://schemas.openxmlformats.org/markup-compatibility/2006">
-        <mc:Choice xmlns:a14="http://schemas.microsoft.com/office/drawing/2010/main" Requires="a14">
+      <mc:AlternateContent xmlns:mc="http://schemas.openxmlformats.org/markup-compatibility/2006" xmlns:a14="http://schemas.microsoft.com/office/drawing/2010/main">
+        <mc:Choice Requires="a14">
           <p:sp>
             <p:nvSpPr>
               <p:cNvPr id="48" name="Textfeld 47"/>
@@ -4089,7 +4090,7 @@
             </p:txBody>
           </p:sp>
         </mc:Choice>
-        <mc:Fallback>
+        <mc:Fallback xmlns="">
           <p:sp>
             <p:nvSpPr>
               <p:cNvPr id="48" name="Textfeld 47"/>
@@ -4167,8 +4168,8 @@
           </a:fontRef>
         </p:style>
       </p:cxnSp>
-      <mc:AlternateContent xmlns:mc="http://schemas.openxmlformats.org/markup-compatibility/2006">
-        <mc:Choice xmlns:a14="http://schemas.microsoft.com/office/drawing/2010/main" Requires="a14">
+      <mc:AlternateContent xmlns:mc="http://schemas.openxmlformats.org/markup-compatibility/2006" xmlns:a14="http://schemas.microsoft.com/office/drawing/2010/main">
+        <mc:Choice Requires="a14">
           <p:sp>
             <p:nvSpPr>
               <p:cNvPr id="51" name="Textfeld 50"/>
@@ -4247,7 +4248,7 @@
             </p:txBody>
           </p:sp>
         </mc:Choice>
-        <mc:Fallback>
+        <mc:Fallback xmlns="">
           <p:sp>
             <p:nvSpPr>
               <p:cNvPr id="51" name="Textfeld 50"/>
@@ -4534,8 +4535,8 @@
           </a:p>
         </p:txBody>
       </p:sp>
-      <mc:AlternateContent xmlns:mc="http://schemas.openxmlformats.org/markup-compatibility/2006">
-        <mc:Choice xmlns:a14="http://schemas.microsoft.com/office/drawing/2010/main" Requires="a14">
+      <mc:AlternateContent xmlns:mc="http://schemas.openxmlformats.org/markup-compatibility/2006" xmlns:a14="http://schemas.microsoft.com/office/drawing/2010/main">
+        <mc:Choice Requires="a14">
           <p:sp>
             <p:nvSpPr>
               <p:cNvPr id="27" name="Textfeld 26"/>
@@ -4579,7 +4580,7 @@
             </p:txBody>
           </p:sp>
         </mc:Choice>
-        <mc:Fallback>
+        <mc:Fallback xmlns="">
           <p:sp>
             <p:nvSpPr>
               <p:cNvPr id="27" name="Textfeld 26"/>
@@ -4655,8 +4656,8 @@
           </a:fontRef>
         </p:style>
       </p:cxnSp>
-      <mc:AlternateContent xmlns:mc="http://schemas.openxmlformats.org/markup-compatibility/2006">
-        <mc:Choice xmlns:a14="http://schemas.microsoft.com/office/drawing/2010/main" Requires="a14">
+      <mc:AlternateContent xmlns:mc="http://schemas.openxmlformats.org/markup-compatibility/2006" xmlns:a14="http://schemas.microsoft.com/office/drawing/2010/main">
+        <mc:Choice Requires="a14">
           <p:sp>
             <p:nvSpPr>
               <p:cNvPr id="31" name="Textfeld 30"/>
@@ -4712,7 +4713,7 @@
             </p:txBody>
           </p:sp>
         </mc:Choice>
-        <mc:Fallback>
+        <mc:Fallback xmlns="">
           <p:sp>
             <p:nvSpPr>
               <p:cNvPr id="31" name="Textfeld 30"/>
@@ -4788,8 +4789,8 @@
           </a:fontRef>
         </p:style>
       </p:cxnSp>
-      <mc:AlternateContent xmlns:mc="http://schemas.openxmlformats.org/markup-compatibility/2006">
-        <mc:Choice xmlns:a14="http://schemas.microsoft.com/office/drawing/2010/main" Requires="a14">
+      <mc:AlternateContent xmlns:mc="http://schemas.openxmlformats.org/markup-compatibility/2006" xmlns:a14="http://schemas.microsoft.com/office/drawing/2010/main">
+        <mc:Choice Requires="a14">
           <p:sp>
             <p:nvSpPr>
               <p:cNvPr id="33" name="Textfeld 32"/>
@@ -4845,7 +4846,7 @@
             </p:txBody>
           </p:sp>
         </mc:Choice>
-        <mc:Fallback>
+        <mc:Fallback xmlns="">
           <p:sp>
             <p:nvSpPr>
               <p:cNvPr id="33" name="Textfeld 32"/>
@@ -4901,6 +4902,2357 @@
       </p:par>
     </p:tnLst>
   </p:timing>
+</p:sld>
+</file>
+
+<file path=ppt/slides/slide2.xml><?xml version="1.0" encoding="utf-8"?>
+<p:sld xmlns:a="http://schemas.openxmlformats.org/drawingml/2006/main" xmlns:r="http://schemas.openxmlformats.org/officeDocument/2006/relationships" xmlns:p="http://schemas.openxmlformats.org/presentationml/2006/main">
+  <p:cSld>
+    <p:spTree>
+      <p:nvGrpSpPr>
+        <p:cNvPr id="1" name=""/>
+        <p:cNvGrpSpPr/>
+        <p:nvPr/>
+      </p:nvGrpSpPr>
+      <p:grpSpPr>
+        <a:xfrm>
+          <a:off x="0" y="0"/>
+          <a:ext cx="0" cy="0"/>
+          <a:chOff x="0" y="0"/>
+          <a:chExt cx="0" cy="0"/>
+        </a:xfrm>
+      </p:grpSpPr>
+      <mc:AlternateContent xmlns:mc="http://schemas.openxmlformats.org/markup-compatibility/2006" xmlns:a14="http://schemas.microsoft.com/office/drawing/2010/main">
+        <mc:Choice Requires="a14">
+          <p:sp>
+            <p:nvSpPr>
+              <p:cNvPr id="5" name="Rechteck 4"/>
+              <p:cNvSpPr/>
+              <p:nvPr/>
+            </p:nvSpPr>
+            <p:spPr>
+              <a:xfrm>
+                <a:off x="4759527" y="3407412"/>
+                <a:ext cx="658762" cy="633645"/>
+              </a:xfrm>
+              <a:prstGeom prst="rect">
+                <a:avLst/>
+              </a:prstGeom>
+              <a:solidFill>
+                <a:schemeClr val="bg1"/>
+              </a:solidFill>
+              <a:ln w="38100">
+                <a:solidFill>
+                  <a:schemeClr val="tx1"/>
+                </a:solidFill>
+              </a:ln>
+            </p:spPr>
+            <p:style>
+              <a:lnRef idx="2">
+                <a:schemeClr val="accent1">
+                  <a:shade val="50000"/>
+                </a:schemeClr>
+              </a:lnRef>
+              <a:fillRef idx="1">
+                <a:schemeClr val="accent1"/>
+              </a:fillRef>
+              <a:effectRef idx="0">
+                <a:schemeClr val="accent1"/>
+              </a:effectRef>
+              <a:fontRef idx="minor">
+                <a:schemeClr val="lt1"/>
+              </a:fontRef>
+            </p:style>
+            <p:txBody>
+              <a:bodyPr rtlCol="0" anchor="ctr"/>
+              <a:lstStyle/>
+              <a:p>
+                <a:pPr algn="just"/>
+                <a14:m>
+                  <m:oMathPara xmlns:m="http://schemas.openxmlformats.org/officeDocument/2006/math">
+                    <m:oMathParaPr>
+                      <m:jc m:val="center"/>
+                    </m:oMathParaPr>
+                    <m:oMath xmlns:m="http://schemas.openxmlformats.org/officeDocument/2006/math">
+                      <m:sSub>
+                        <m:sSubPr>
+                          <m:ctrlPr>
+                            <a:rPr lang="de-DE" b="0" i="1" smtClean="0">
+                              <a:solidFill>
+                                <a:schemeClr val="tx1"/>
+                              </a:solidFill>
+                              <a:latin typeface="Cambria Math" panose="02040503050406030204" pitchFamily="18" charset="0"/>
+                            </a:rPr>
+                          </m:ctrlPr>
+                        </m:sSubPr>
+                        <m:e>
+                          <m:acc>
+                            <m:accPr>
+                              <m:chr m:val="⃗"/>
+                              <m:ctrlPr>
+                                <a:rPr lang="de-DE" b="0" i="1" smtClean="0">
+                                  <a:solidFill>
+                                    <a:schemeClr val="tx1"/>
+                                  </a:solidFill>
+                                  <a:latin typeface="Cambria Math" panose="02040503050406030204" pitchFamily="18" charset="0"/>
+                                </a:rPr>
+                              </m:ctrlPr>
+                            </m:accPr>
+                            <m:e>
+                              <m:r>
+                                <a:rPr lang="de-DE" b="0" i="1" smtClean="0">
+                                  <a:solidFill>
+                                    <a:schemeClr val="tx1"/>
+                                  </a:solidFill>
+                                  <a:latin typeface="Cambria Math" panose="02040503050406030204" pitchFamily="18" charset="0"/>
+                                </a:rPr>
+                                <m:t>𝑥</m:t>
+                              </m:r>
+                            </m:e>
+                          </m:acc>
+                        </m:e>
+                        <m:sub>
+                          <m:r>
+                            <a:rPr lang="de-DE" b="0" i="1" smtClean="0">
+                              <a:solidFill>
+                                <a:schemeClr val="tx1"/>
+                              </a:solidFill>
+                              <a:latin typeface="Cambria Math" panose="02040503050406030204" pitchFamily="18" charset="0"/>
+                            </a:rPr>
+                            <m:t>0</m:t>
+                          </m:r>
+                        </m:sub>
+                      </m:sSub>
+                    </m:oMath>
+                  </m:oMathPara>
+                </a14:m>
+                <a:endParaRPr lang="de-DE" dirty="0">
+                  <a:solidFill>
+                    <a:schemeClr val="tx1"/>
+                  </a:solidFill>
+                </a:endParaRPr>
+              </a:p>
+            </p:txBody>
+          </p:sp>
+        </mc:Choice>
+        <mc:Fallback xmlns="">
+          <p:sp>
+            <p:nvSpPr>
+              <p:cNvPr id="5" name="Rechteck 4"/>
+              <p:cNvSpPr>
+                <a:spLocks noRot="1" noChangeAspect="1" noMove="1" noResize="1" noEditPoints="1" noAdjustHandles="1" noChangeArrowheads="1" noChangeShapeType="1" noTextEdit="1"/>
+              </p:cNvSpPr>
+              <p:nvPr/>
+            </p:nvSpPr>
+            <p:spPr>
+              <a:xfrm>
+                <a:off x="4759527" y="3407412"/>
+                <a:ext cx="658762" cy="633645"/>
+              </a:xfrm>
+              <a:prstGeom prst="rect">
+                <a:avLst/>
+              </a:prstGeom>
+              <a:blipFill rotWithShape="0">
+                <a:blip r:embed="rId9"/>
+                <a:stretch>
+                  <a:fillRect r="-5263"/>
+                </a:stretch>
+              </a:blipFill>
+              <a:ln w="38100">
+                <a:solidFill>
+                  <a:schemeClr val="tx1"/>
+                </a:solidFill>
+              </a:ln>
+            </p:spPr>
+            <p:txBody>
+              <a:bodyPr/>
+              <a:lstStyle/>
+              <a:p>
+                <a:r>
+                  <a:rPr lang="de-DE">
+                    <a:noFill/>
+                  </a:rPr>
+                  <a:t> </a:t>
+                </a:r>
+              </a:p>
+            </p:txBody>
+          </p:sp>
+        </mc:Fallback>
+      </mc:AlternateContent>
+      <mc:AlternateContent xmlns:mc="http://schemas.openxmlformats.org/markup-compatibility/2006" xmlns:a14="http://schemas.microsoft.com/office/drawing/2010/main">
+        <mc:Choice Requires="a14">
+          <p:sp>
+            <p:nvSpPr>
+              <p:cNvPr id="13" name="Rechteck 12"/>
+              <p:cNvSpPr/>
+              <p:nvPr/>
+            </p:nvSpPr>
+            <p:spPr>
+              <a:xfrm>
+                <a:off x="2055656" y="4597115"/>
+                <a:ext cx="989542" cy="633645"/>
+              </a:xfrm>
+              <a:prstGeom prst="rect">
+                <a:avLst/>
+              </a:prstGeom>
+              <a:solidFill>
+                <a:schemeClr val="bg1"/>
+              </a:solidFill>
+              <a:ln w="38100">
+                <a:solidFill>
+                  <a:schemeClr val="tx1"/>
+                </a:solidFill>
+              </a:ln>
+            </p:spPr>
+            <p:style>
+              <a:lnRef idx="2">
+                <a:schemeClr val="accent1">
+                  <a:shade val="50000"/>
+                </a:schemeClr>
+              </a:lnRef>
+              <a:fillRef idx="1">
+                <a:schemeClr val="accent1"/>
+              </a:fillRef>
+              <a:effectRef idx="0">
+                <a:schemeClr val="accent1"/>
+              </a:effectRef>
+              <a:fontRef idx="minor">
+                <a:schemeClr val="lt1"/>
+              </a:fontRef>
+            </p:style>
+            <p:txBody>
+              <a:bodyPr rtlCol="0" anchor="ctr"/>
+              <a:lstStyle/>
+              <a:p>
+                <a:pPr algn="just"/>
+                <a14:m>
+                  <m:oMathPara xmlns:m="http://schemas.openxmlformats.org/officeDocument/2006/math">
+                    <m:oMathParaPr>
+                      <m:jc m:val="center"/>
+                    </m:oMathParaPr>
+                    <m:oMath xmlns:m="http://schemas.openxmlformats.org/officeDocument/2006/math">
+                      <m:sSub>
+                        <m:sSubPr>
+                          <m:ctrlPr>
+                            <a:rPr lang="de-DE" b="0" i="1" smtClean="0">
+                              <a:solidFill>
+                                <a:schemeClr val="tx1"/>
+                              </a:solidFill>
+                              <a:latin typeface="Cambria Math" panose="02040503050406030204" pitchFamily="18" charset="0"/>
+                            </a:rPr>
+                          </m:ctrlPr>
+                        </m:sSubPr>
+                        <m:e>
+                          <m:acc>
+                            <m:accPr>
+                              <m:chr m:val="⃗"/>
+                              <m:ctrlPr>
+                                <a:rPr lang="de-DE" b="0" i="1" smtClean="0">
+                                  <a:solidFill>
+                                    <a:schemeClr val="tx1"/>
+                                  </a:solidFill>
+                                  <a:latin typeface="Cambria Math" panose="02040503050406030204" pitchFamily="18" charset="0"/>
+                                </a:rPr>
+                              </m:ctrlPr>
+                            </m:accPr>
+                            <m:e>
+                              <m:r>
+                                <a:rPr lang="de-DE" b="0" i="1" smtClean="0">
+                                  <a:solidFill>
+                                    <a:schemeClr val="tx1"/>
+                                  </a:solidFill>
+                                  <a:latin typeface="Cambria Math" panose="02040503050406030204" pitchFamily="18" charset="0"/>
+                                </a:rPr>
+                                <m:t>𝑥</m:t>
+                              </m:r>
+                            </m:e>
+                          </m:acc>
+                        </m:e>
+                        <m:sub>
+                          <m:r>
+                            <a:rPr lang="de-DE" b="0" i="1" smtClean="0">
+                              <a:solidFill>
+                                <a:schemeClr val="tx1"/>
+                              </a:solidFill>
+                              <a:latin typeface="Cambria Math" panose="02040503050406030204" pitchFamily="18" charset="0"/>
+                            </a:rPr>
+                            <m:t>0</m:t>
+                          </m:r>
+                        </m:sub>
+                      </m:sSub>
+                      <m:r>
+                        <a:rPr lang="de-DE" b="0" i="1" smtClean="0">
+                          <a:solidFill>
+                            <a:schemeClr val="tx1"/>
+                          </a:solidFill>
+                          <a:latin typeface="Cambria Math" panose="02040503050406030204" pitchFamily="18" charset="0"/>
+                        </a:rPr>
+                        <m:t>+</m:t>
+                      </m:r>
+                      <m:sSub>
+                        <m:sSubPr>
+                          <m:ctrlPr>
+                            <a:rPr lang="de-DE" b="0" i="1" smtClean="0">
+                              <a:solidFill>
+                                <a:schemeClr val="tx1"/>
+                              </a:solidFill>
+                              <a:latin typeface="Cambria Math" panose="02040503050406030204" pitchFamily="18" charset="0"/>
+                            </a:rPr>
+                          </m:ctrlPr>
+                        </m:sSubPr>
+                        <m:e>
+                          <m:acc>
+                            <m:accPr>
+                              <m:chr m:val="⃗"/>
+                              <m:ctrlPr>
+                                <a:rPr lang="de-DE" b="0" i="1" smtClean="0">
+                                  <a:solidFill>
+                                    <a:schemeClr val="tx1"/>
+                                  </a:solidFill>
+                                  <a:latin typeface="Cambria Math" panose="02040503050406030204" pitchFamily="18" charset="0"/>
+                                </a:rPr>
+                              </m:ctrlPr>
+                            </m:accPr>
+                            <m:e>
+                              <m:r>
+                                <a:rPr lang="de-DE" b="0" i="1" smtClean="0">
+                                  <a:solidFill>
+                                    <a:schemeClr val="tx1"/>
+                                  </a:solidFill>
+                                  <a:latin typeface="Cambria Math" panose="02040503050406030204" pitchFamily="18" charset="0"/>
+                                </a:rPr>
+                                <m:t>𝑢</m:t>
+                              </m:r>
+                            </m:e>
+                          </m:acc>
+                        </m:e>
+                        <m:sub>
+                          <m:r>
+                            <a:rPr lang="de-DE" b="0" i="1" smtClean="0">
+                              <a:solidFill>
+                                <a:schemeClr val="tx1"/>
+                              </a:solidFill>
+                              <a:latin typeface="Cambria Math" panose="02040503050406030204" pitchFamily="18" charset="0"/>
+                            </a:rPr>
+                            <m:t>1</m:t>
+                          </m:r>
+                        </m:sub>
+                      </m:sSub>
+                      <m:r>
+                        <a:rPr lang="de-DE" b="0" i="1" smtClean="0">
+                          <a:solidFill>
+                            <a:schemeClr val="tx1"/>
+                          </a:solidFill>
+                          <a:latin typeface="Cambria Math" panose="02040503050406030204" pitchFamily="18" charset="0"/>
+                        </a:rPr>
+                        <m:t> </m:t>
+                      </m:r>
+                    </m:oMath>
+                  </m:oMathPara>
+                </a14:m>
+                <a:endParaRPr lang="de-DE" dirty="0">
+                  <a:solidFill>
+                    <a:schemeClr val="tx1"/>
+                  </a:solidFill>
+                </a:endParaRPr>
+              </a:p>
+            </p:txBody>
+          </p:sp>
+        </mc:Choice>
+        <mc:Fallback xmlns="">
+          <p:sp>
+            <p:nvSpPr>
+              <p:cNvPr id="13" name="Rechteck 12"/>
+              <p:cNvSpPr>
+                <a:spLocks noRot="1" noChangeAspect="1" noMove="1" noResize="1" noEditPoints="1" noAdjustHandles="1" noChangeArrowheads="1" noChangeShapeType="1" noTextEdit="1"/>
+              </p:cNvSpPr>
+              <p:nvPr/>
+            </p:nvSpPr>
+            <p:spPr>
+              <a:xfrm>
+                <a:off x="2055656" y="4597115"/>
+                <a:ext cx="989542" cy="633645"/>
+              </a:xfrm>
+              <a:prstGeom prst="rect">
+                <a:avLst/>
+              </a:prstGeom>
+              <a:blipFill rotWithShape="0">
+                <a:blip r:embed="rId10"/>
+                <a:stretch>
+                  <a:fillRect/>
+                </a:stretch>
+              </a:blipFill>
+              <a:ln w="38100">
+                <a:solidFill>
+                  <a:schemeClr val="tx1"/>
+                </a:solidFill>
+              </a:ln>
+            </p:spPr>
+            <p:txBody>
+              <a:bodyPr/>
+              <a:lstStyle/>
+              <a:p>
+                <a:r>
+                  <a:rPr lang="de-DE">
+                    <a:noFill/>
+                  </a:rPr>
+                  <a:t> </a:t>
+                </a:r>
+              </a:p>
+            </p:txBody>
+          </p:sp>
+        </mc:Fallback>
+      </mc:AlternateContent>
+      <mc:AlternateContent xmlns:mc="http://schemas.openxmlformats.org/markup-compatibility/2006" xmlns:a14="http://schemas.microsoft.com/office/drawing/2010/main">
+        <mc:Choice Requires="a14">
+          <p:sp>
+            <p:nvSpPr>
+              <p:cNvPr id="14" name="Rechteck 13"/>
+              <p:cNvSpPr/>
+              <p:nvPr/>
+            </p:nvSpPr>
+            <p:spPr>
+              <a:xfrm>
+                <a:off x="3687811" y="4597115"/>
+                <a:ext cx="989542" cy="633645"/>
+              </a:xfrm>
+              <a:prstGeom prst="rect">
+                <a:avLst/>
+              </a:prstGeom>
+              <a:solidFill>
+                <a:schemeClr val="bg1"/>
+              </a:solidFill>
+              <a:ln w="38100">
+                <a:solidFill>
+                  <a:schemeClr val="tx1"/>
+                </a:solidFill>
+              </a:ln>
+            </p:spPr>
+            <p:style>
+              <a:lnRef idx="2">
+                <a:schemeClr val="accent1">
+                  <a:shade val="50000"/>
+                </a:schemeClr>
+              </a:lnRef>
+              <a:fillRef idx="1">
+                <a:schemeClr val="accent1"/>
+              </a:fillRef>
+              <a:effectRef idx="0">
+                <a:schemeClr val="accent1"/>
+              </a:effectRef>
+              <a:fontRef idx="minor">
+                <a:schemeClr val="lt1"/>
+              </a:fontRef>
+            </p:style>
+            <p:txBody>
+              <a:bodyPr rtlCol="0" anchor="ctr"/>
+              <a:lstStyle/>
+              <a:p>
+                <a:pPr algn="just"/>
+                <a14:m>
+                  <m:oMathPara xmlns:m="http://schemas.openxmlformats.org/officeDocument/2006/math">
+                    <m:oMathParaPr>
+                      <m:jc m:val="center"/>
+                    </m:oMathParaPr>
+                    <m:oMath xmlns:m="http://schemas.openxmlformats.org/officeDocument/2006/math">
+                      <m:sSub>
+                        <m:sSubPr>
+                          <m:ctrlPr>
+                            <a:rPr lang="de-DE" b="0" i="1" smtClean="0">
+                              <a:solidFill>
+                                <a:schemeClr val="tx1"/>
+                              </a:solidFill>
+                              <a:latin typeface="Cambria Math" panose="02040503050406030204" pitchFamily="18" charset="0"/>
+                            </a:rPr>
+                          </m:ctrlPr>
+                        </m:sSubPr>
+                        <m:e>
+                          <m:acc>
+                            <m:accPr>
+                              <m:chr m:val="⃗"/>
+                              <m:ctrlPr>
+                                <a:rPr lang="de-DE" b="0" i="1" smtClean="0">
+                                  <a:solidFill>
+                                    <a:schemeClr val="tx1"/>
+                                  </a:solidFill>
+                                  <a:latin typeface="Cambria Math" panose="02040503050406030204" pitchFamily="18" charset="0"/>
+                                </a:rPr>
+                              </m:ctrlPr>
+                            </m:accPr>
+                            <m:e>
+                              <m:r>
+                                <a:rPr lang="de-DE" b="0" i="1" smtClean="0">
+                                  <a:solidFill>
+                                    <a:schemeClr val="tx1"/>
+                                  </a:solidFill>
+                                  <a:latin typeface="Cambria Math" panose="02040503050406030204" pitchFamily="18" charset="0"/>
+                                </a:rPr>
+                                <m:t>𝑥</m:t>
+                              </m:r>
+                            </m:e>
+                          </m:acc>
+                        </m:e>
+                        <m:sub>
+                          <m:r>
+                            <a:rPr lang="de-DE" b="0" i="1" smtClean="0">
+                              <a:solidFill>
+                                <a:schemeClr val="tx1"/>
+                              </a:solidFill>
+                              <a:latin typeface="Cambria Math" panose="02040503050406030204" pitchFamily="18" charset="0"/>
+                            </a:rPr>
+                            <m:t>0</m:t>
+                          </m:r>
+                        </m:sub>
+                      </m:sSub>
+                      <m:r>
+                        <a:rPr lang="de-DE" b="0" i="1" smtClean="0">
+                          <a:solidFill>
+                            <a:schemeClr val="tx1"/>
+                          </a:solidFill>
+                          <a:latin typeface="Cambria Math" panose="02040503050406030204" pitchFamily="18" charset="0"/>
+                        </a:rPr>
+                        <m:t>+</m:t>
+                      </m:r>
+                      <m:sSub>
+                        <m:sSubPr>
+                          <m:ctrlPr>
+                            <a:rPr lang="de-DE" b="0" i="1" smtClean="0">
+                              <a:solidFill>
+                                <a:schemeClr val="tx1"/>
+                              </a:solidFill>
+                              <a:latin typeface="Cambria Math" panose="02040503050406030204" pitchFamily="18" charset="0"/>
+                            </a:rPr>
+                          </m:ctrlPr>
+                        </m:sSubPr>
+                        <m:e>
+                          <m:acc>
+                            <m:accPr>
+                              <m:chr m:val="⃗"/>
+                              <m:ctrlPr>
+                                <a:rPr lang="de-DE" b="0" i="1" smtClean="0">
+                                  <a:solidFill>
+                                    <a:schemeClr val="tx1"/>
+                                  </a:solidFill>
+                                  <a:latin typeface="Cambria Math" panose="02040503050406030204" pitchFamily="18" charset="0"/>
+                                </a:rPr>
+                              </m:ctrlPr>
+                            </m:accPr>
+                            <m:e>
+                              <m:r>
+                                <a:rPr lang="de-DE" b="0" i="1" smtClean="0">
+                                  <a:solidFill>
+                                    <a:schemeClr val="tx1"/>
+                                  </a:solidFill>
+                                  <a:latin typeface="Cambria Math" panose="02040503050406030204" pitchFamily="18" charset="0"/>
+                                </a:rPr>
+                                <m:t>𝑢</m:t>
+                              </m:r>
+                            </m:e>
+                          </m:acc>
+                        </m:e>
+                        <m:sub>
+                          <m:r>
+                            <a:rPr lang="de-DE" b="0" i="1" smtClean="0">
+                              <a:solidFill>
+                                <a:schemeClr val="tx1"/>
+                              </a:solidFill>
+                              <a:latin typeface="Cambria Math" panose="02040503050406030204" pitchFamily="18" charset="0"/>
+                            </a:rPr>
+                            <m:t>2</m:t>
+                          </m:r>
+                        </m:sub>
+                      </m:sSub>
+                      <m:r>
+                        <a:rPr lang="de-DE" b="0" i="1" smtClean="0">
+                          <a:solidFill>
+                            <a:schemeClr val="tx1"/>
+                          </a:solidFill>
+                          <a:latin typeface="Cambria Math" panose="02040503050406030204" pitchFamily="18" charset="0"/>
+                        </a:rPr>
+                        <m:t> </m:t>
+                      </m:r>
+                    </m:oMath>
+                  </m:oMathPara>
+                </a14:m>
+                <a:endParaRPr lang="de-DE" dirty="0">
+                  <a:solidFill>
+                    <a:schemeClr val="tx1"/>
+                  </a:solidFill>
+                </a:endParaRPr>
+              </a:p>
+            </p:txBody>
+          </p:sp>
+        </mc:Choice>
+        <mc:Fallback xmlns="">
+          <p:sp>
+            <p:nvSpPr>
+              <p:cNvPr id="14" name="Rechteck 13"/>
+              <p:cNvSpPr>
+                <a:spLocks noRot="1" noChangeAspect="1" noMove="1" noResize="1" noEditPoints="1" noAdjustHandles="1" noChangeArrowheads="1" noChangeShapeType="1" noTextEdit="1"/>
+              </p:cNvSpPr>
+              <p:nvPr/>
+            </p:nvSpPr>
+            <p:spPr>
+              <a:xfrm>
+                <a:off x="3687811" y="4597115"/>
+                <a:ext cx="989542" cy="633645"/>
+              </a:xfrm>
+              <a:prstGeom prst="rect">
+                <a:avLst/>
+              </a:prstGeom>
+              <a:blipFill rotWithShape="0">
+                <a:blip r:embed="rId11"/>
+                <a:stretch>
+                  <a:fillRect/>
+                </a:stretch>
+              </a:blipFill>
+              <a:ln w="38100">
+                <a:solidFill>
+                  <a:schemeClr val="tx1"/>
+                </a:solidFill>
+              </a:ln>
+            </p:spPr>
+            <p:txBody>
+              <a:bodyPr/>
+              <a:lstStyle/>
+              <a:p>
+                <a:r>
+                  <a:rPr lang="de-DE">
+                    <a:noFill/>
+                  </a:rPr>
+                  <a:t> </a:t>
+                </a:r>
+              </a:p>
+            </p:txBody>
+          </p:sp>
+        </mc:Fallback>
+      </mc:AlternateContent>
+      <mc:AlternateContent xmlns:mc="http://schemas.openxmlformats.org/markup-compatibility/2006" xmlns:a14="http://schemas.microsoft.com/office/drawing/2010/main">
+        <mc:Choice Requires="a14">
+          <p:sp>
+            <p:nvSpPr>
+              <p:cNvPr id="15" name="Rechteck 14"/>
+              <p:cNvSpPr/>
+              <p:nvPr/>
+            </p:nvSpPr>
+            <p:spPr>
+              <a:xfrm>
+                <a:off x="5319966" y="4597115"/>
+                <a:ext cx="989542" cy="633645"/>
+              </a:xfrm>
+              <a:prstGeom prst="rect">
+                <a:avLst/>
+              </a:prstGeom>
+              <a:solidFill>
+                <a:schemeClr val="bg1"/>
+              </a:solidFill>
+              <a:ln w="38100">
+                <a:solidFill>
+                  <a:schemeClr val="tx1"/>
+                </a:solidFill>
+              </a:ln>
+            </p:spPr>
+            <p:style>
+              <a:lnRef idx="2">
+                <a:schemeClr val="accent1">
+                  <a:shade val="50000"/>
+                </a:schemeClr>
+              </a:lnRef>
+              <a:fillRef idx="1">
+                <a:schemeClr val="accent1"/>
+              </a:fillRef>
+              <a:effectRef idx="0">
+                <a:schemeClr val="accent1"/>
+              </a:effectRef>
+              <a:fontRef idx="minor">
+                <a:schemeClr val="lt1"/>
+              </a:fontRef>
+            </p:style>
+            <p:txBody>
+              <a:bodyPr rtlCol="0" anchor="ctr"/>
+              <a:lstStyle/>
+              <a:p>
+                <a:pPr algn="just"/>
+                <a14:m>
+                  <m:oMathPara xmlns:m="http://schemas.openxmlformats.org/officeDocument/2006/math">
+                    <m:oMathParaPr>
+                      <m:jc m:val="center"/>
+                    </m:oMathParaPr>
+                    <m:oMath xmlns:m="http://schemas.openxmlformats.org/officeDocument/2006/math">
+                      <m:sSub>
+                        <m:sSubPr>
+                          <m:ctrlPr>
+                            <a:rPr lang="de-DE" b="0" i="1" smtClean="0">
+                              <a:solidFill>
+                                <a:schemeClr val="tx1"/>
+                              </a:solidFill>
+                              <a:latin typeface="Cambria Math" panose="02040503050406030204" pitchFamily="18" charset="0"/>
+                            </a:rPr>
+                          </m:ctrlPr>
+                        </m:sSubPr>
+                        <m:e>
+                          <m:acc>
+                            <m:accPr>
+                              <m:chr m:val="⃗"/>
+                              <m:ctrlPr>
+                                <a:rPr lang="de-DE" b="0" i="1" smtClean="0">
+                                  <a:solidFill>
+                                    <a:schemeClr val="tx1"/>
+                                  </a:solidFill>
+                                  <a:latin typeface="Cambria Math" panose="02040503050406030204" pitchFamily="18" charset="0"/>
+                                </a:rPr>
+                              </m:ctrlPr>
+                            </m:accPr>
+                            <m:e>
+                              <m:r>
+                                <a:rPr lang="de-DE" b="0" i="1" smtClean="0">
+                                  <a:solidFill>
+                                    <a:schemeClr val="tx1"/>
+                                  </a:solidFill>
+                                  <a:latin typeface="Cambria Math" panose="02040503050406030204" pitchFamily="18" charset="0"/>
+                                </a:rPr>
+                                <m:t>𝑥</m:t>
+                              </m:r>
+                            </m:e>
+                          </m:acc>
+                        </m:e>
+                        <m:sub>
+                          <m:r>
+                            <a:rPr lang="de-DE" b="0" i="1" smtClean="0">
+                              <a:solidFill>
+                                <a:schemeClr val="tx1"/>
+                              </a:solidFill>
+                              <a:latin typeface="Cambria Math" panose="02040503050406030204" pitchFamily="18" charset="0"/>
+                            </a:rPr>
+                            <m:t>0</m:t>
+                          </m:r>
+                        </m:sub>
+                      </m:sSub>
+                      <m:r>
+                        <a:rPr lang="de-DE" b="0" i="1" smtClean="0">
+                          <a:solidFill>
+                            <a:schemeClr val="tx1"/>
+                          </a:solidFill>
+                          <a:latin typeface="Cambria Math" panose="02040503050406030204" pitchFamily="18" charset="0"/>
+                        </a:rPr>
+                        <m:t>+</m:t>
+                      </m:r>
+                      <m:sSub>
+                        <m:sSubPr>
+                          <m:ctrlPr>
+                            <a:rPr lang="de-DE" b="0" i="1" smtClean="0">
+                              <a:solidFill>
+                                <a:schemeClr val="tx1"/>
+                              </a:solidFill>
+                              <a:latin typeface="Cambria Math" panose="02040503050406030204" pitchFamily="18" charset="0"/>
+                            </a:rPr>
+                          </m:ctrlPr>
+                        </m:sSubPr>
+                        <m:e>
+                          <m:acc>
+                            <m:accPr>
+                              <m:chr m:val="⃗"/>
+                              <m:ctrlPr>
+                                <a:rPr lang="de-DE" b="0" i="1" smtClean="0">
+                                  <a:solidFill>
+                                    <a:schemeClr val="tx1"/>
+                                  </a:solidFill>
+                                  <a:latin typeface="Cambria Math" panose="02040503050406030204" pitchFamily="18" charset="0"/>
+                                </a:rPr>
+                              </m:ctrlPr>
+                            </m:accPr>
+                            <m:e>
+                              <m:r>
+                                <a:rPr lang="de-DE" b="0" i="1" smtClean="0">
+                                  <a:solidFill>
+                                    <a:schemeClr val="tx1"/>
+                                  </a:solidFill>
+                                  <a:latin typeface="Cambria Math" panose="02040503050406030204" pitchFamily="18" charset="0"/>
+                                </a:rPr>
+                                <m:t>𝑢</m:t>
+                              </m:r>
+                            </m:e>
+                          </m:acc>
+                        </m:e>
+                        <m:sub>
+                          <m:r>
+                            <a:rPr lang="de-DE" b="0" i="1" smtClean="0">
+                              <a:solidFill>
+                                <a:schemeClr val="tx1"/>
+                              </a:solidFill>
+                              <a:latin typeface="Cambria Math" panose="02040503050406030204" pitchFamily="18" charset="0"/>
+                            </a:rPr>
+                            <m:t>3</m:t>
+                          </m:r>
+                        </m:sub>
+                      </m:sSub>
+                      <m:r>
+                        <a:rPr lang="de-DE" b="0" i="1" smtClean="0">
+                          <a:solidFill>
+                            <a:schemeClr val="tx1"/>
+                          </a:solidFill>
+                          <a:latin typeface="Cambria Math" panose="02040503050406030204" pitchFamily="18" charset="0"/>
+                        </a:rPr>
+                        <m:t> </m:t>
+                      </m:r>
+                    </m:oMath>
+                  </m:oMathPara>
+                </a14:m>
+                <a:endParaRPr lang="de-DE" dirty="0">
+                  <a:solidFill>
+                    <a:schemeClr val="tx1"/>
+                  </a:solidFill>
+                </a:endParaRPr>
+              </a:p>
+            </p:txBody>
+          </p:sp>
+        </mc:Choice>
+        <mc:Fallback xmlns="">
+          <p:sp>
+            <p:nvSpPr>
+              <p:cNvPr id="15" name="Rechteck 14"/>
+              <p:cNvSpPr>
+                <a:spLocks noRot="1" noChangeAspect="1" noMove="1" noResize="1" noEditPoints="1" noAdjustHandles="1" noChangeArrowheads="1" noChangeShapeType="1" noTextEdit="1"/>
+              </p:cNvSpPr>
+              <p:nvPr/>
+            </p:nvSpPr>
+            <p:spPr>
+              <a:xfrm>
+                <a:off x="5319966" y="4597115"/>
+                <a:ext cx="989542" cy="633645"/>
+              </a:xfrm>
+              <a:prstGeom prst="rect">
+                <a:avLst/>
+              </a:prstGeom>
+              <a:blipFill rotWithShape="0">
+                <a:blip r:embed="rId12"/>
+                <a:stretch>
+                  <a:fillRect/>
+                </a:stretch>
+              </a:blipFill>
+              <a:ln w="38100">
+                <a:solidFill>
+                  <a:schemeClr val="tx1"/>
+                </a:solidFill>
+              </a:ln>
+            </p:spPr>
+            <p:txBody>
+              <a:bodyPr/>
+              <a:lstStyle/>
+              <a:p>
+                <a:r>
+                  <a:rPr lang="de-DE">
+                    <a:noFill/>
+                  </a:rPr>
+                  <a:t> </a:t>
+                </a:r>
+              </a:p>
+            </p:txBody>
+          </p:sp>
+        </mc:Fallback>
+      </mc:AlternateContent>
+      <mc:AlternateContent xmlns:mc="http://schemas.openxmlformats.org/markup-compatibility/2006" xmlns:a14="http://schemas.microsoft.com/office/drawing/2010/main">
+        <mc:Choice Requires="a14">
+          <p:sp>
+            <p:nvSpPr>
+              <p:cNvPr id="16" name="Rechteck 15"/>
+              <p:cNvSpPr/>
+              <p:nvPr/>
+            </p:nvSpPr>
+            <p:spPr>
+              <a:xfrm>
+                <a:off x="6952121" y="4597114"/>
+                <a:ext cx="989542" cy="633645"/>
+              </a:xfrm>
+              <a:prstGeom prst="rect">
+                <a:avLst/>
+              </a:prstGeom>
+              <a:solidFill>
+                <a:schemeClr val="bg1"/>
+              </a:solidFill>
+              <a:ln w="38100">
+                <a:solidFill>
+                  <a:schemeClr val="tx1"/>
+                </a:solidFill>
+              </a:ln>
+            </p:spPr>
+            <p:style>
+              <a:lnRef idx="2">
+                <a:schemeClr val="accent1">
+                  <a:shade val="50000"/>
+                </a:schemeClr>
+              </a:lnRef>
+              <a:fillRef idx="1">
+                <a:schemeClr val="accent1"/>
+              </a:fillRef>
+              <a:effectRef idx="0">
+                <a:schemeClr val="accent1"/>
+              </a:effectRef>
+              <a:fontRef idx="minor">
+                <a:schemeClr val="lt1"/>
+              </a:fontRef>
+            </p:style>
+            <p:txBody>
+              <a:bodyPr rtlCol="0" anchor="ctr"/>
+              <a:lstStyle/>
+              <a:p>
+                <a:pPr algn="just"/>
+                <a14:m>
+                  <m:oMathPara xmlns:m="http://schemas.openxmlformats.org/officeDocument/2006/math">
+                    <m:oMathParaPr>
+                      <m:jc m:val="center"/>
+                    </m:oMathParaPr>
+                    <m:oMath xmlns:m="http://schemas.openxmlformats.org/officeDocument/2006/math">
+                      <m:sSub>
+                        <m:sSubPr>
+                          <m:ctrlPr>
+                            <a:rPr lang="de-DE" b="0" i="1" smtClean="0">
+                              <a:solidFill>
+                                <a:schemeClr val="tx1"/>
+                              </a:solidFill>
+                              <a:latin typeface="Cambria Math" panose="02040503050406030204" pitchFamily="18" charset="0"/>
+                            </a:rPr>
+                          </m:ctrlPr>
+                        </m:sSubPr>
+                        <m:e>
+                          <m:acc>
+                            <m:accPr>
+                              <m:chr m:val="⃗"/>
+                              <m:ctrlPr>
+                                <a:rPr lang="de-DE" b="0" i="1" smtClean="0">
+                                  <a:solidFill>
+                                    <a:schemeClr val="tx1"/>
+                                  </a:solidFill>
+                                  <a:latin typeface="Cambria Math" panose="02040503050406030204" pitchFamily="18" charset="0"/>
+                                </a:rPr>
+                              </m:ctrlPr>
+                            </m:accPr>
+                            <m:e>
+                              <m:r>
+                                <a:rPr lang="de-DE" b="0" i="1" smtClean="0">
+                                  <a:solidFill>
+                                    <a:schemeClr val="tx1"/>
+                                  </a:solidFill>
+                                  <a:latin typeface="Cambria Math" panose="02040503050406030204" pitchFamily="18" charset="0"/>
+                                </a:rPr>
+                                <m:t>𝑥</m:t>
+                              </m:r>
+                            </m:e>
+                          </m:acc>
+                        </m:e>
+                        <m:sub>
+                          <m:r>
+                            <a:rPr lang="de-DE" b="0" i="1" smtClean="0">
+                              <a:solidFill>
+                                <a:schemeClr val="tx1"/>
+                              </a:solidFill>
+                              <a:latin typeface="Cambria Math" panose="02040503050406030204" pitchFamily="18" charset="0"/>
+                            </a:rPr>
+                            <m:t>0</m:t>
+                          </m:r>
+                        </m:sub>
+                      </m:sSub>
+                      <m:r>
+                        <a:rPr lang="de-DE" b="0" i="1" smtClean="0">
+                          <a:solidFill>
+                            <a:schemeClr val="tx1"/>
+                          </a:solidFill>
+                          <a:latin typeface="Cambria Math" panose="02040503050406030204" pitchFamily="18" charset="0"/>
+                        </a:rPr>
+                        <m:t>+</m:t>
+                      </m:r>
+                      <m:sSub>
+                        <m:sSubPr>
+                          <m:ctrlPr>
+                            <a:rPr lang="de-DE" b="0" i="1" smtClean="0">
+                              <a:solidFill>
+                                <a:schemeClr val="tx1"/>
+                              </a:solidFill>
+                              <a:latin typeface="Cambria Math" panose="02040503050406030204" pitchFamily="18" charset="0"/>
+                            </a:rPr>
+                          </m:ctrlPr>
+                        </m:sSubPr>
+                        <m:e>
+                          <m:acc>
+                            <m:accPr>
+                              <m:chr m:val="⃗"/>
+                              <m:ctrlPr>
+                                <a:rPr lang="de-DE" b="0" i="1" smtClean="0">
+                                  <a:solidFill>
+                                    <a:schemeClr val="tx1"/>
+                                  </a:solidFill>
+                                  <a:latin typeface="Cambria Math" panose="02040503050406030204" pitchFamily="18" charset="0"/>
+                                </a:rPr>
+                              </m:ctrlPr>
+                            </m:accPr>
+                            <m:e>
+                              <m:r>
+                                <a:rPr lang="de-DE" b="0" i="1" smtClean="0">
+                                  <a:solidFill>
+                                    <a:schemeClr val="tx1"/>
+                                  </a:solidFill>
+                                  <a:latin typeface="Cambria Math" panose="02040503050406030204" pitchFamily="18" charset="0"/>
+                                </a:rPr>
+                                <m:t>𝑢</m:t>
+                              </m:r>
+                            </m:e>
+                          </m:acc>
+                        </m:e>
+                        <m:sub>
+                          <m:r>
+                            <a:rPr lang="de-DE" b="0" i="1" smtClean="0">
+                              <a:solidFill>
+                                <a:schemeClr val="tx1"/>
+                              </a:solidFill>
+                              <a:latin typeface="Cambria Math" panose="02040503050406030204" pitchFamily="18" charset="0"/>
+                            </a:rPr>
+                            <m:t>4</m:t>
+                          </m:r>
+                        </m:sub>
+                      </m:sSub>
+                      <m:r>
+                        <a:rPr lang="de-DE" b="0" i="1" smtClean="0">
+                          <a:solidFill>
+                            <a:schemeClr val="tx1"/>
+                          </a:solidFill>
+                          <a:latin typeface="Cambria Math" panose="02040503050406030204" pitchFamily="18" charset="0"/>
+                        </a:rPr>
+                        <m:t> </m:t>
+                      </m:r>
+                    </m:oMath>
+                  </m:oMathPara>
+                </a14:m>
+                <a:endParaRPr lang="de-DE" dirty="0">
+                  <a:solidFill>
+                    <a:schemeClr val="tx1"/>
+                  </a:solidFill>
+                </a:endParaRPr>
+              </a:p>
+            </p:txBody>
+          </p:sp>
+        </mc:Choice>
+        <mc:Fallback xmlns="">
+          <p:sp>
+            <p:nvSpPr>
+              <p:cNvPr id="16" name="Rechteck 15"/>
+              <p:cNvSpPr>
+                <a:spLocks noRot="1" noChangeAspect="1" noMove="1" noResize="1" noEditPoints="1" noAdjustHandles="1" noChangeArrowheads="1" noChangeShapeType="1" noTextEdit="1"/>
+              </p:cNvSpPr>
+              <p:nvPr/>
+            </p:nvSpPr>
+            <p:spPr>
+              <a:xfrm>
+                <a:off x="6952121" y="4597114"/>
+                <a:ext cx="989542" cy="633645"/>
+              </a:xfrm>
+              <a:prstGeom prst="rect">
+                <a:avLst/>
+              </a:prstGeom>
+              <a:blipFill rotWithShape="0">
+                <a:blip r:embed="rId13"/>
+                <a:stretch>
+                  <a:fillRect/>
+                </a:stretch>
+              </a:blipFill>
+              <a:ln w="38100">
+                <a:solidFill>
+                  <a:schemeClr val="tx1"/>
+                </a:solidFill>
+              </a:ln>
+            </p:spPr>
+            <p:txBody>
+              <a:bodyPr/>
+              <a:lstStyle/>
+              <a:p>
+                <a:r>
+                  <a:rPr lang="de-DE">
+                    <a:noFill/>
+                  </a:rPr>
+                  <a:t> </a:t>
+                </a:r>
+              </a:p>
+            </p:txBody>
+          </p:sp>
+        </mc:Fallback>
+      </mc:AlternateContent>
+      <mc:AlternateContent xmlns:mc="http://schemas.openxmlformats.org/markup-compatibility/2006" xmlns:a14="http://schemas.microsoft.com/office/drawing/2010/main">
+        <mc:Choice Requires="a14">
+          <p:sp>
+            <p:nvSpPr>
+              <p:cNvPr id="17" name="Rechteck 16"/>
+              <p:cNvSpPr/>
+              <p:nvPr/>
+            </p:nvSpPr>
+            <p:spPr>
+              <a:xfrm>
+                <a:off x="295680" y="5806485"/>
+                <a:ext cx="1100499" cy="633645"/>
+              </a:xfrm>
+              <a:prstGeom prst="rect">
+                <a:avLst/>
+              </a:prstGeom>
+              <a:solidFill>
+                <a:schemeClr val="bg1"/>
+              </a:solidFill>
+              <a:ln w="38100">
+                <a:solidFill>
+                  <a:schemeClr val="tx1"/>
+                </a:solidFill>
+              </a:ln>
+            </p:spPr>
+            <p:style>
+              <a:lnRef idx="2">
+                <a:schemeClr val="accent1">
+                  <a:shade val="50000"/>
+                </a:schemeClr>
+              </a:lnRef>
+              <a:fillRef idx="1">
+                <a:schemeClr val="accent1"/>
+              </a:fillRef>
+              <a:effectRef idx="0">
+                <a:schemeClr val="accent1"/>
+              </a:effectRef>
+              <a:fontRef idx="minor">
+                <a:schemeClr val="lt1"/>
+              </a:fontRef>
+            </p:style>
+            <p:txBody>
+              <a:bodyPr rtlCol="0" anchor="ctr"/>
+              <a:lstStyle/>
+              <a:p>
+                <a:pPr algn="just"/>
+                <a14:m>
+                  <m:oMathPara xmlns:m="http://schemas.openxmlformats.org/officeDocument/2006/math">
+                    <m:oMathParaPr>
+                      <m:jc m:val="center"/>
+                    </m:oMathParaPr>
+                    <m:oMath xmlns:m="http://schemas.openxmlformats.org/officeDocument/2006/math">
+                      <m:sSub>
+                        <m:sSubPr>
+                          <m:ctrlPr>
+                            <a:rPr lang="de-DE" b="0" i="1" smtClean="0">
+                              <a:solidFill>
+                                <a:schemeClr val="tx1"/>
+                              </a:solidFill>
+                              <a:latin typeface="Cambria Math" panose="02040503050406030204" pitchFamily="18" charset="0"/>
+                            </a:rPr>
+                          </m:ctrlPr>
+                        </m:sSubPr>
+                        <m:e>
+                          <m:acc>
+                            <m:accPr>
+                              <m:chr m:val="⃗"/>
+                              <m:ctrlPr>
+                                <a:rPr lang="de-DE" b="0" i="1" smtClean="0">
+                                  <a:solidFill>
+                                    <a:schemeClr val="tx1"/>
+                                  </a:solidFill>
+                                  <a:latin typeface="Cambria Math" panose="02040503050406030204" pitchFamily="18" charset="0"/>
+                                </a:rPr>
+                              </m:ctrlPr>
+                            </m:accPr>
+                            <m:e>
+                              <m:r>
+                                <a:rPr lang="de-DE" b="0" i="1" smtClean="0">
+                                  <a:solidFill>
+                                    <a:schemeClr val="tx1"/>
+                                  </a:solidFill>
+                                  <a:latin typeface="Cambria Math" panose="02040503050406030204" pitchFamily="18" charset="0"/>
+                                </a:rPr>
+                                <m:t>𝑥</m:t>
+                              </m:r>
+                            </m:e>
+                          </m:acc>
+                        </m:e>
+                        <m:sub>
+                          <m:r>
+                            <a:rPr lang="de-DE" b="0" i="1" smtClean="0">
+                              <a:solidFill>
+                                <a:schemeClr val="tx1"/>
+                              </a:solidFill>
+                              <a:latin typeface="Cambria Math" panose="02040503050406030204" pitchFamily="18" charset="0"/>
+                            </a:rPr>
+                            <m:t>1,1</m:t>
+                          </m:r>
+                        </m:sub>
+                      </m:sSub>
+                      <m:r>
+                        <a:rPr lang="de-DE" b="0" i="1" smtClean="0">
+                          <a:solidFill>
+                            <a:schemeClr val="tx1"/>
+                          </a:solidFill>
+                          <a:latin typeface="Cambria Math" panose="02040503050406030204" pitchFamily="18" charset="0"/>
+                        </a:rPr>
+                        <m:t>+</m:t>
+                      </m:r>
+                      <m:sSub>
+                        <m:sSubPr>
+                          <m:ctrlPr>
+                            <a:rPr lang="de-DE" b="0" i="1" smtClean="0">
+                              <a:solidFill>
+                                <a:schemeClr val="tx1"/>
+                              </a:solidFill>
+                              <a:latin typeface="Cambria Math" panose="02040503050406030204" pitchFamily="18" charset="0"/>
+                            </a:rPr>
+                          </m:ctrlPr>
+                        </m:sSubPr>
+                        <m:e>
+                          <m:acc>
+                            <m:accPr>
+                              <m:chr m:val="⃗"/>
+                              <m:ctrlPr>
+                                <a:rPr lang="de-DE" b="0" i="1" smtClean="0">
+                                  <a:solidFill>
+                                    <a:schemeClr val="tx1"/>
+                                  </a:solidFill>
+                                  <a:latin typeface="Cambria Math" panose="02040503050406030204" pitchFamily="18" charset="0"/>
+                                </a:rPr>
+                              </m:ctrlPr>
+                            </m:accPr>
+                            <m:e>
+                              <m:r>
+                                <a:rPr lang="de-DE" b="0" i="1" smtClean="0">
+                                  <a:solidFill>
+                                    <a:schemeClr val="tx1"/>
+                                  </a:solidFill>
+                                  <a:latin typeface="Cambria Math" panose="02040503050406030204" pitchFamily="18" charset="0"/>
+                                </a:rPr>
+                                <m:t>𝑢</m:t>
+                              </m:r>
+                            </m:e>
+                          </m:acc>
+                        </m:e>
+                        <m:sub>
+                          <m:r>
+                            <a:rPr lang="de-DE" b="0" i="1" smtClean="0">
+                              <a:solidFill>
+                                <a:schemeClr val="tx1"/>
+                              </a:solidFill>
+                              <a:latin typeface="Cambria Math" panose="02040503050406030204" pitchFamily="18" charset="0"/>
+                            </a:rPr>
+                            <m:t>1</m:t>
+                          </m:r>
+                        </m:sub>
+                      </m:sSub>
+                      <m:r>
+                        <a:rPr lang="de-DE" b="0" i="1" smtClean="0">
+                          <a:solidFill>
+                            <a:schemeClr val="tx1"/>
+                          </a:solidFill>
+                          <a:latin typeface="Cambria Math" panose="02040503050406030204" pitchFamily="18" charset="0"/>
+                        </a:rPr>
+                        <m:t> </m:t>
+                      </m:r>
+                    </m:oMath>
+                  </m:oMathPara>
+                </a14:m>
+                <a:endParaRPr lang="de-DE" dirty="0">
+                  <a:solidFill>
+                    <a:schemeClr val="tx1"/>
+                  </a:solidFill>
+                </a:endParaRPr>
+              </a:p>
+            </p:txBody>
+          </p:sp>
+        </mc:Choice>
+        <mc:Fallback xmlns="">
+          <p:sp>
+            <p:nvSpPr>
+              <p:cNvPr id="17" name="Rechteck 16"/>
+              <p:cNvSpPr>
+                <a:spLocks noRot="1" noChangeAspect="1" noMove="1" noResize="1" noEditPoints="1" noAdjustHandles="1" noChangeArrowheads="1" noChangeShapeType="1" noTextEdit="1"/>
+              </p:cNvSpPr>
+              <p:nvPr/>
+            </p:nvSpPr>
+            <p:spPr>
+              <a:xfrm>
+                <a:off x="295680" y="5806485"/>
+                <a:ext cx="1100499" cy="633645"/>
+              </a:xfrm>
+              <a:prstGeom prst="rect">
+                <a:avLst/>
+              </a:prstGeom>
+              <a:blipFill rotWithShape="0">
+                <a:blip r:embed="rId14"/>
+                <a:stretch>
+                  <a:fillRect/>
+                </a:stretch>
+              </a:blipFill>
+              <a:ln w="38100">
+                <a:solidFill>
+                  <a:schemeClr val="tx1"/>
+                </a:solidFill>
+              </a:ln>
+            </p:spPr>
+            <p:txBody>
+              <a:bodyPr/>
+              <a:lstStyle/>
+              <a:p>
+                <a:r>
+                  <a:rPr lang="de-DE">
+                    <a:noFill/>
+                  </a:rPr>
+                  <a:t> </a:t>
+                </a:r>
+              </a:p>
+            </p:txBody>
+          </p:sp>
+        </mc:Fallback>
+      </mc:AlternateContent>
+      <p:cxnSp>
+        <p:nvCxnSpPr>
+          <p:cNvPr id="22" name="Gewinkelte Verbindung 21"/>
+          <p:cNvCxnSpPr>
+            <a:stCxn id="5" idx="2"/>
+            <a:endCxn id="13" idx="0"/>
+          </p:cNvCxnSpPr>
+          <p:nvPr/>
+        </p:nvCxnSpPr>
+        <p:spPr>
+          <a:xfrm rot="5400000">
+            <a:off x="3541639" y="3049846"/>
+            <a:ext cx="556058" cy="2538481"/>
+          </a:xfrm>
+          <a:prstGeom prst="bentConnector3">
+            <a:avLst/>
+          </a:prstGeom>
+          <a:ln w="38100">
+            <a:solidFill>
+              <a:schemeClr val="accent2">
+                <a:lumMod val="75000"/>
+              </a:schemeClr>
+            </a:solidFill>
+            <a:tailEnd type="triangle"/>
+          </a:ln>
+        </p:spPr>
+        <p:style>
+          <a:lnRef idx="1">
+            <a:schemeClr val="accent1"/>
+          </a:lnRef>
+          <a:fillRef idx="0">
+            <a:schemeClr val="accent1"/>
+          </a:fillRef>
+          <a:effectRef idx="0">
+            <a:schemeClr val="accent1"/>
+          </a:effectRef>
+          <a:fontRef idx="minor">
+            <a:schemeClr val="tx1"/>
+          </a:fontRef>
+        </p:style>
+      </p:cxnSp>
+      <p:cxnSp>
+        <p:nvCxnSpPr>
+          <p:cNvPr id="23" name="Gewinkelte Verbindung 22"/>
+          <p:cNvCxnSpPr>
+            <a:stCxn id="5" idx="2"/>
+            <a:endCxn id="14" idx="0"/>
+          </p:cNvCxnSpPr>
+          <p:nvPr/>
+        </p:nvCxnSpPr>
+        <p:spPr>
+          <a:xfrm rot="5400000">
+            <a:off x="4357716" y="3865923"/>
+            <a:ext cx="556058" cy="906326"/>
+          </a:xfrm>
+          <a:prstGeom prst="bentConnector3">
+            <a:avLst>
+              <a:gd name="adj1" fmla="val 50000"/>
+            </a:avLst>
+          </a:prstGeom>
+          <a:ln w="38100">
+            <a:solidFill>
+              <a:schemeClr val="accent2">
+                <a:lumMod val="75000"/>
+              </a:schemeClr>
+            </a:solidFill>
+            <a:tailEnd type="triangle"/>
+          </a:ln>
+        </p:spPr>
+        <p:style>
+          <a:lnRef idx="1">
+            <a:schemeClr val="accent1"/>
+          </a:lnRef>
+          <a:fillRef idx="0">
+            <a:schemeClr val="accent1"/>
+          </a:fillRef>
+          <a:effectRef idx="0">
+            <a:schemeClr val="accent1"/>
+          </a:effectRef>
+          <a:fontRef idx="minor">
+            <a:schemeClr val="tx1"/>
+          </a:fontRef>
+        </p:style>
+      </p:cxnSp>
+      <p:cxnSp>
+        <p:nvCxnSpPr>
+          <p:cNvPr id="26" name="Gewinkelte Verbindung 25"/>
+          <p:cNvCxnSpPr>
+            <a:stCxn id="5" idx="2"/>
+            <a:endCxn id="15" idx="0"/>
+          </p:cNvCxnSpPr>
+          <p:nvPr/>
+        </p:nvCxnSpPr>
+        <p:spPr>
+          <a:xfrm rot="16200000" flipH="1">
+            <a:off x="5173793" y="3956171"/>
+            <a:ext cx="556058" cy="725829"/>
+          </a:xfrm>
+          <a:prstGeom prst="bentConnector3">
+            <a:avLst>
+              <a:gd name="adj1" fmla="val 50000"/>
+            </a:avLst>
+          </a:prstGeom>
+          <a:ln w="38100">
+            <a:solidFill>
+              <a:schemeClr val="accent2">
+                <a:lumMod val="75000"/>
+              </a:schemeClr>
+            </a:solidFill>
+            <a:tailEnd type="triangle"/>
+          </a:ln>
+        </p:spPr>
+        <p:style>
+          <a:lnRef idx="1">
+            <a:schemeClr val="accent1"/>
+          </a:lnRef>
+          <a:fillRef idx="0">
+            <a:schemeClr val="accent1"/>
+          </a:fillRef>
+          <a:effectRef idx="0">
+            <a:schemeClr val="accent1"/>
+          </a:effectRef>
+          <a:fontRef idx="minor">
+            <a:schemeClr val="tx1"/>
+          </a:fontRef>
+        </p:style>
+      </p:cxnSp>
+      <p:cxnSp>
+        <p:nvCxnSpPr>
+          <p:cNvPr id="29" name="Gewinkelte Verbindung 28"/>
+          <p:cNvCxnSpPr>
+            <a:stCxn id="5" idx="2"/>
+            <a:endCxn id="16" idx="0"/>
+          </p:cNvCxnSpPr>
+          <p:nvPr/>
+        </p:nvCxnSpPr>
+        <p:spPr>
+          <a:xfrm rot="16200000" flipH="1">
+            <a:off x="5989872" y="3140093"/>
+            <a:ext cx="556057" cy="2357984"/>
+          </a:xfrm>
+          <a:prstGeom prst="bentConnector3">
+            <a:avLst>
+              <a:gd name="adj1" fmla="val 50000"/>
+            </a:avLst>
+          </a:prstGeom>
+          <a:ln w="38100">
+            <a:solidFill>
+              <a:schemeClr val="accent2">
+                <a:lumMod val="75000"/>
+              </a:schemeClr>
+            </a:solidFill>
+            <a:tailEnd type="triangle"/>
+          </a:ln>
+        </p:spPr>
+        <p:style>
+          <a:lnRef idx="1">
+            <a:schemeClr val="accent1"/>
+          </a:lnRef>
+          <a:fillRef idx="0">
+            <a:schemeClr val="accent1"/>
+          </a:fillRef>
+          <a:effectRef idx="0">
+            <a:schemeClr val="accent1"/>
+          </a:effectRef>
+          <a:fontRef idx="minor">
+            <a:schemeClr val="tx1"/>
+          </a:fontRef>
+        </p:style>
+      </p:cxnSp>
+      <mc:AlternateContent xmlns:mc="http://schemas.openxmlformats.org/markup-compatibility/2006" xmlns:a14="http://schemas.microsoft.com/office/drawing/2010/main">
+        <mc:Choice Requires="a14">
+          <p:sp>
+            <p:nvSpPr>
+              <p:cNvPr id="32" name="Rechteck 31"/>
+              <p:cNvSpPr/>
+              <p:nvPr/>
+            </p:nvSpPr>
+            <p:spPr>
+              <a:xfrm>
+                <a:off x="2001577" y="5810861"/>
+                <a:ext cx="1100499" cy="633645"/>
+              </a:xfrm>
+              <a:prstGeom prst="rect">
+                <a:avLst/>
+              </a:prstGeom>
+              <a:solidFill>
+                <a:schemeClr val="bg1"/>
+              </a:solidFill>
+              <a:ln w="38100">
+                <a:solidFill>
+                  <a:schemeClr val="tx1"/>
+                </a:solidFill>
+              </a:ln>
+            </p:spPr>
+            <p:style>
+              <a:lnRef idx="2">
+                <a:schemeClr val="accent1">
+                  <a:shade val="50000"/>
+                </a:schemeClr>
+              </a:lnRef>
+              <a:fillRef idx="1">
+                <a:schemeClr val="accent1"/>
+              </a:fillRef>
+              <a:effectRef idx="0">
+                <a:schemeClr val="accent1"/>
+              </a:effectRef>
+              <a:fontRef idx="minor">
+                <a:schemeClr val="lt1"/>
+              </a:fontRef>
+            </p:style>
+            <p:txBody>
+              <a:bodyPr rtlCol="0" anchor="ctr"/>
+              <a:lstStyle/>
+              <a:p>
+                <a:pPr algn="just"/>
+                <a14:m>
+                  <m:oMathPara xmlns:m="http://schemas.openxmlformats.org/officeDocument/2006/math">
+                    <m:oMathParaPr>
+                      <m:jc m:val="center"/>
+                    </m:oMathParaPr>
+                    <m:oMath xmlns:m="http://schemas.openxmlformats.org/officeDocument/2006/math">
+                      <m:sSub>
+                        <m:sSubPr>
+                          <m:ctrlPr>
+                            <a:rPr lang="de-DE" b="0" i="1" smtClean="0">
+                              <a:solidFill>
+                                <a:schemeClr val="tx1"/>
+                              </a:solidFill>
+                              <a:latin typeface="Cambria Math" panose="02040503050406030204" pitchFamily="18" charset="0"/>
+                            </a:rPr>
+                          </m:ctrlPr>
+                        </m:sSubPr>
+                        <m:e>
+                          <m:acc>
+                            <m:accPr>
+                              <m:chr m:val="⃗"/>
+                              <m:ctrlPr>
+                                <a:rPr lang="de-DE" b="0" i="1" smtClean="0">
+                                  <a:solidFill>
+                                    <a:schemeClr val="tx1"/>
+                                  </a:solidFill>
+                                  <a:latin typeface="Cambria Math" panose="02040503050406030204" pitchFamily="18" charset="0"/>
+                                </a:rPr>
+                              </m:ctrlPr>
+                            </m:accPr>
+                            <m:e>
+                              <m:r>
+                                <a:rPr lang="de-DE" b="0" i="1" smtClean="0">
+                                  <a:solidFill>
+                                    <a:schemeClr val="tx1"/>
+                                  </a:solidFill>
+                                  <a:latin typeface="Cambria Math" panose="02040503050406030204" pitchFamily="18" charset="0"/>
+                                </a:rPr>
+                                <m:t>𝑥</m:t>
+                              </m:r>
+                            </m:e>
+                          </m:acc>
+                        </m:e>
+                        <m:sub>
+                          <m:r>
+                            <a:rPr lang="de-DE" b="0" i="1" smtClean="0">
+                              <a:solidFill>
+                                <a:schemeClr val="tx1"/>
+                              </a:solidFill>
+                              <a:latin typeface="Cambria Math" panose="02040503050406030204" pitchFamily="18" charset="0"/>
+                            </a:rPr>
+                            <m:t>1,1</m:t>
+                          </m:r>
+                        </m:sub>
+                      </m:sSub>
+                      <m:r>
+                        <a:rPr lang="de-DE" b="0" i="1" smtClean="0">
+                          <a:solidFill>
+                            <a:schemeClr val="tx1"/>
+                          </a:solidFill>
+                          <a:latin typeface="Cambria Math" panose="02040503050406030204" pitchFamily="18" charset="0"/>
+                        </a:rPr>
+                        <m:t>+</m:t>
+                      </m:r>
+                      <m:sSub>
+                        <m:sSubPr>
+                          <m:ctrlPr>
+                            <a:rPr lang="de-DE" b="0" i="1" smtClean="0">
+                              <a:solidFill>
+                                <a:schemeClr val="tx1"/>
+                              </a:solidFill>
+                              <a:latin typeface="Cambria Math" panose="02040503050406030204" pitchFamily="18" charset="0"/>
+                            </a:rPr>
+                          </m:ctrlPr>
+                        </m:sSubPr>
+                        <m:e>
+                          <m:acc>
+                            <m:accPr>
+                              <m:chr m:val="⃗"/>
+                              <m:ctrlPr>
+                                <a:rPr lang="de-DE" b="0" i="1" smtClean="0">
+                                  <a:solidFill>
+                                    <a:schemeClr val="tx1"/>
+                                  </a:solidFill>
+                                  <a:latin typeface="Cambria Math" panose="02040503050406030204" pitchFamily="18" charset="0"/>
+                                </a:rPr>
+                              </m:ctrlPr>
+                            </m:accPr>
+                            <m:e>
+                              <m:r>
+                                <a:rPr lang="de-DE" b="0" i="1" smtClean="0">
+                                  <a:solidFill>
+                                    <a:schemeClr val="tx1"/>
+                                  </a:solidFill>
+                                  <a:latin typeface="Cambria Math" panose="02040503050406030204" pitchFamily="18" charset="0"/>
+                                </a:rPr>
+                                <m:t>𝑢</m:t>
+                              </m:r>
+                            </m:e>
+                          </m:acc>
+                        </m:e>
+                        <m:sub>
+                          <m:r>
+                            <a:rPr lang="de-DE" b="0" i="1" smtClean="0">
+                              <a:solidFill>
+                                <a:schemeClr val="tx1"/>
+                              </a:solidFill>
+                              <a:latin typeface="Cambria Math" panose="02040503050406030204" pitchFamily="18" charset="0"/>
+                            </a:rPr>
+                            <m:t>2</m:t>
+                          </m:r>
+                        </m:sub>
+                      </m:sSub>
+                      <m:r>
+                        <a:rPr lang="de-DE" b="0" i="1" smtClean="0">
+                          <a:solidFill>
+                            <a:schemeClr val="tx1"/>
+                          </a:solidFill>
+                          <a:latin typeface="Cambria Math" panose="02040503050406030204" pitchFamily="18" charset="0"/>
+                        </a:rPr>
+                        <m:t> </m:t>
+                      </m:r>
+                    </m:oMath>
+                  </m:oMathPara>
+                </a14:m>
+                <a:endParaRPr lang="de-DE" dirty="0">
+                  <a:solidFill>
+                    <a:schemeClr val="tx1"/>
+                  </a:solidFill>
+                </a:endParaRPr>
+              </a:p>
+            </p:txBody>
+          </p:sp>
+        </mc:Choice>
+        <mc:Fallback xmlns="">
+          <p:sp>
+            <p:nvSpPr>
+              <p:cNvPr id="32" name="Rechteck 31"/>
+              <p:cNvSpPr>
+                <a:spLocks noRot="1" noChangeAspect="1" noMove="1" noResize="1" noEditPoints="1" noAdjustHandles="1" noChangeArrowheads="1" noChangeShapeType="1" noTextEdit="1"/>
+              </p:cNvSpPr>
+              <p:nvPr/>
+            </p:nvSpPr>
+            <p:spPr>
+              <a:xfrm>
+                <a:off x="2001577" y="5810861"/>
+                <a:ext cx="1100499" cy="633645"/>
+              </a:xfrm>
+              <a:prstGeom prst="rect">
+                <a:avLst/>
+              </a:prstGeom>
+              <a:blipFill rotWithShape="0">
+                <a:blip r:embed="rId15"/>
+                <a:stretch>
+                  <a:fillRect/>
+                </a:stretch>
+              </a:blipFill>
+              <a:ln w="38100">
+                <a:solidFill>
+                  <a:schemeClr val="tx1"/>
+                </a:solidFill>
+              </a:ln>
+            </p:spPr>
+            <p:txBody>
+              <a:bodyPr/>
+              <a:lstStyle/>
+              <a:p>
+                <a:r>
+                  <a:rPr lang="de-DE">
+                    <a:noFill/>
+                  </a:rPr>
+                  <a:t> </a:t>
+                </a:r>
+              </a:p>
+            </p:txBody>
+          </p:sp>
+        </mc:Fallback>
+      </mc:AlternateContent>
+      <p:cxnSp>
+        <p:nvCxnSpPr>
+          <p:cNvPr id="33" name="Gewinkelte Verbindung 32"/>
+          <p:cNvCxnSpPr>
+            <a:stCxn id="13" idx="2"/>
+            <a:endCxn id="17" idx="0"/>
+          </p:cNvCxnSpPr>
+          <p:nvPr/>
+        </p:nvCxnSpPr>
+        <p:spPr>
+          <a:xfrm rot="5400000">
+            <a:off x="1410317" y="4666374"/>
+            <a:ext cx="575725" cy="1704497"/>
+          </a:xfrm>
+          <a:prstGeom prst="bentConnector3">
+            <a:avLst>
+              <a:gd name="adj1" fmla="val 50000"/>
+            </a:avLst>
+          </a:prstGeom>
+          <a:ln w="38100">
+            <a:solidFill>
+              <a:schemeClr val="accent2">
+                <a:lumMod val="75000"/>
+              </a:schemeClr>
+            </a:solidFill>
+            <a:tailEnd type="triangle"/>
+          </a:ln>
+        </p:spPr>
+        <p:style>
+          <a:lnRef idx="1">
+            <a:schemeClr val="accent1"/>
+          </a:lnRef>
+          <a:fillRef idx="0">
+            <a:schemeClr val="accent1"/>
+          </a:fillRef>
+          <a:effectRef idx="0">
+            <a:schemeClr val="accent1"/>
+          </a:effectRef>
+          <a:fontRef idx="minor">
+            <a:schemeClr val="tx1"/>
+          </a:fontRef>
+        </p:style>
+      </p:cxnSp>
+      <p:cxnSp>
+        <p:nvCxnSpPr>
+          <p:cNvPr id="36" name="Gewinkelte Verbindung 35"/>
+          <p:cNvCxnSpPr>
+            <a:stCxn id="13" idx="2"/>
+            <a:endCxn id="32" idx="0"/>
+          </p:cNvCxnSpPr>
+          <p:nvPr/>
+        </p:nvCxnSpPr>
+        <p:spPr>
+          <a:xfrm rot="16200000" flipH="1">
+            <a:off x="2261077" y="5520110"/>
+            <a:ext cx="580101" cy="1400"/>
+          </a:xfrm>
+          <a:prstGeom prst="bentConnector3">
+            <a:avLst>
+              <a:gd name="adj1" fmla="val 50000"/>
+            </a:avLst>
+          </a:prstGeom>
+          <a:ln w="38100">
+            <a:solidFill>
+              <a:schemeClr val="accent2">
+                <a:lumMod val="75000"/>
+              </a:schemeClr>
+            </a:solidFill>
+            <a:tailEnd type="triangle"/>
+          </a:ln>
+        </p:spPr>
+        <p:style>
+          <a:lnRef idx="1">
+            <a:schemeClr val="accent1"/>
+          </a:lnRef>
+          <a:fillRef idx="0">
+            <a:schemeClr val="accent1"/>
+          </a:fillRef>
+          <a:effectRef idx="0">
+            <a:schemeClr val="accent1"/>
+          </a:effectRef>
+          <a:fontRef idx="minor">
+            <a:schemeClr val="tx1"/>
+          </a:fontRef>
+        </p:style>
+      </p:cxnSp>
+      <mc:AlternateContent xmlns:mc="http://schemas.openxmlformats.org/markup-compatibility/2006" xmlns:a14="http://schemas.microsoft.com/office/drawing/2010/main">
+        <mc:Choice Requires="a14">
+          <p:sp>
+            <p:nvSpPr>
+              <p:cNvPr id="50" name="Rechteck 49"/>
+              <p:cNvSpPr/>
+              <p:nvPr/>
+            </p:nvSpPr>
+            <p:spPr>
+              <a:xfrm>
+                <a:off x="3687811" y="5806483"/>
+                <a:ext cx="989542" cy="633645"/>
+              </a:xfrm>
+              <a:prstGeom prst="rect">
+                <a:avLst/>
+              </a:prstGeom>
+              <a:solidFill>
+                <a:schemeClr val="bg1"/>
+              </a:solidFill>
+              <a:ln w="38100">
+                <a:solidFill>
+                  <a:schemeClr val="tx1"/>
+                </a:solidFill>
+              </a:ln>
+            </p:spPr>
+            <p:style>
+              <a:lnRef idx="2">
+                <a:schemeClr val="accent1">
+                  <a:shade val="50000"/>
+                </a:schemeClr>
+              </a:lnRef>
+              <a:fillRef idx="1">
+                <a:schemeClr val="accent1"/>
+              </a:fillRef>
+              <a:effectRef idx="0">
+                <a:schemeClr val="accent1"/>
+              </a:effectRef>
+              <a:fontRef idx="minor">
+                <a:schemeClr val="lt1"/>
+              </a:fontRef>
+            </p:style>
+            <p:txBody>
+              <a:bodyPr rtlCol="0" anchor="ctr"/>
+              <a:lstStyle/>
+              <a:p>
+                <a:pPr algn="just"/>
+                <a14:m>
+                  <m:oMathPara xmlns:m="http://schemas.openxmlformats.org/officeDocument/2006/math">
+                    <m:oMathParaPr>
+                      <m:jc m:val="center"/>
+                    </m:oMathParaPr>
+                    <m:oMath xmlns:m="http://schemas.openxmlformats.org/officeDocument/2006/math">
+                      <m:r>
+                        <a:rPr lang="de-DE" b="0" i="1" smtClean="0">
+                          <a:solidFill>
+                            <a:schemeClr val="tx1"/>
+                          </a:solidFill>
+                          <a:latin typeface="Cambria Math" panose="02040503050406030204" pitchFamily="18" charset="0"/>
+                        </a:rPr>
+                        <m:t>…</m:t>
+                      </m:r>
+                    </m:oMath>
+                  </m:oMathPara>
+                </a14:m>
+                <a:endParaRPr lang="de-DE" dirty="0">
+                  <a:solidFill>
+                    <a:schemeClr val="tx1"/>
+                  </a:solidFill>
+                </a:endParaRPr>
+              </a:p>
+            </p:txBody>
+          </p:sp>
+        </mc:Choice>
+        <mc:Fallback xmlns="">
+          <p:sp>
+            <p:nvSpPr>
+              <p:cNvPr id="50" name="Rechteck 49"/>
+              <p:cNvSpPr>
+                <a:spLocks noRot="1" noChangeAspect="1" noMove="1" noResize="1" noEditPoints="1" noAdjustHandles="1" noChangeArrowheads="1" noChangeShapeType="1" noTextEdit="1"/>
+              </p:cNvSpPr>
+              <p:nvPr/>
+            </p:nvSpPr>
+            <p:spPr>
+              <a:xfrm>
+                <a:off x="3687811" y="5806483"/>
+                <a:ext cx="989542" cy="633645"/>
+              </a:xfrm>
+              <a:prstGeom prst="rect">
+                <a:avLst/>
+              </a:prstGeom>
+              <a:blipFill rotWithShape="0">
+                <a:blip r:embed="rId16"/>
+                <a:stretch>
+                  <a:fillRect/>
+                </a:stretch>
+              </a:blipFill>
+              <a:ln w="38100">
+                <a:solidFill>
+                  <a:schemeClr val="tx1"/>
+                </a:solidFill>
+              </a:ln>
+            </p:spPr>
+            <p:txBody>
+              <a:bodyPr/>
+              <a:lstStyle/>
+              <a:p>
+                <a:r>
+                  <a:rPr lang="de-DE">
+                    <a:noFill/>
+                  </a:rPr>
+                  <a:t> </a:t>
+                </a:r>
+              </a:p>
+            </p:txBody>
+          </p:sp>
+        </mc:Fallback>
+      </mc:AlternateContent>
+      <mc:AlternateContent xmlns:mc="http://schemas.openxmlformats.org/markup-compatibility/2006" xmlns:a14="http://schemas.microsoft.com/office/drawing/2010/main">
+        <mc:Choice Requires="a14">
+          <p:sp>
+            <p:nvSpPr>
+              <p:cNvPr id="51" name="Rechteck 50"/>
+              <p:cNvSpPr/>
+              <p:nvPr/>
+            </p:nvSpPr>
+            <p:spPr>
+              <a:xfrm>
+                <a:off x="5319966" y="5806484"/>
+                <a:ext cx="989542" cy="633645"/>
+              </a:xfrm>
+              <a:prstGeom prst="rect">
+                <a:avLst/>
+              </a:prstGeom>
+              <a:solidFill>
+                <a:schemeClr val="bg1"/>
+              </a:solidFill>
+              <a:ln w="38100">
+                <a:solidFill>
+                  <a:schemeClr val="tx1"/>
+                </a:solidFill>
+              </a:ln>
+            </p:spPr>
+            <p:style>
+              <a:lnRef idx="2">
+                <a:schemeClr val="accent1">
+                  <a:shade val="50000"/>
+                </a:schemeClr>
+              </a:lnRef>
+              <a:fillRef idx="1">
+                <a:schemeClr val="accent1"/>
+              </a:fillRef>
+              <a:effectRef idx="0">
+                <a:schemeClr val="accent1"/>
+              </a:effectRef>
+              <a:fontRef idx="minor">
+                <a:schemeClr val="lt1"/>
+              </a:fontRef>
+            </p:style>
+            <p:txBody>
+              <a:bodyPr rtlCol="0" anchor="ctr"/>
+              <a:lstStyle/>
+              <a:p>
+                <a:pPr algn="just"/>
+                <a14:m>
+                  <m:oMathPara xmlns:m="http://schemas.openxmlformats.org/officeDocument/2006/math">
+                    <m:oMathParaPr>
+                      <m:jc m:val="center"/>
+                    </m:oMathParaPr>
+                    <m:oMath xmlns:m="http://schemas.openxmlformats.org/officeDocument/2006/math">
+                      <m:r>
+                        <a:rPr lang="de-DE" b="0" i="1" smtClean="0">
+                          <a:solidFill>
+                            <a:schemeClr val="tx1"/>
+                          </a:solidFill>
+                          <a:latin typeface="Cambria Math" panose="02040503050406030204" pitchFamily="18" charset="0"/>
+                        </a:rPr>
+                        <m:t>…</m:t>
+                      </m:r>
+                    </m:oMath>
+                  </m:oMathPara>
+                </a14:m>
+                <a:endParaRPr lang="de-DE" dirty="0">
+                  <a:solidFill>
+                    <a:schemeClr val="tx1"/>
+                  </a:solidFill>
+                </a:endParaRPr>
+              </a:p>
+            </p:txBody>
+          </p:sp>
+        </mc:Choice>
+        <mc:Fallback xmlns="">
+          <p:sp>
+            <p:nvSpPr>
+              <p:cNvPr id="51" name="Rechteck 50"/>
+              <p:cNvSpPr>
+                <a:spLocks noRot="1" noChangeAspect="1" noMove="1" noResize="1" noEditPoints="1" noAdjustHandles="1" noChangeArrowheads="1" noChangeShapeType="1" noTextEdit="1"/>
+              </p:cNvSpPr>
+              <p:nvPr/>
+            </p:nvSpPr>
+            <p:spPr>
+              <a:xfrm>
+                <a:off x="5319966" y="5806484"/>
+                <a:ext cx="989542" cy="633645"/>
+              </a:xfrm>
+              <a:prstGeom prst="rect">
+                <a:avLst/>
+              </a:prstGeom>
+              <a:blipFill rotWithShape="0">
+                <a:blip r:embed="rId17"/>
+                <a:stretch>
+                  <a:fillRect/>
+                </a:stretch>
+              </a:blipFill>
+              <a:ln w="38100">
+                <a:solidFill>
+                  <a:schemeClr val="tx1"/>
+                </a:solidFill>
+              </a:ln>
+            </p:spPr>
+            <p:txBody>
+              <a:bodyPr/>
+              <a:lstStyle/>
+              <a:p>
+                <a:r>
+                  <a:rPr lang="de-DE">
+                    <a:noFill/>
+                  </a:rPr>
+                  <a:t> </a:t>
+                </a:r>
+              </a:p>
+            </p:txBody>
+          </p:sp>
+        </mc:Fallback>
+      </mc:AlternateContent>
+      <mc:AlternateContent xmlns:mc="http://schemas.openxmlformats.org/markup-compatibility/2006" xmlns:a14="http://schemas.microsoft.com/office/drawing/2010/main">
+        <mc:Choice Requires="a14">
+          <p:sp>
+            <p:nvSpPr>
+              <p:cNvPr id="52" name="Rechteck 51"/>
+              <p:cNvSpPr/>
+              <p:nvPr/>
+            </p:nvSpPr>
+            <p:spPr>
+              <a:xfrm>
+                <a:off x="6952121" y="5806483"/>
+                <a:ext cx="989542" cy="633645"/>
+              </a:xfrm>
+              <a:prstGeom prst="rect">
+                <a:avLst/>
+              </a:prstGeom>
+              <a:solidFill>
+                <a:schemeClr val="bg1"/>
+              </a:solidFill>
+              <a:ln w="38100">
+                <a:solidFill>
+                  <a:schemeClr val="tx1"/>
+                </a:solidFill>
+              </a:ln>
+            </p:spPr>
+            <p:style>
+              <a:lnRef idx="2">
+                <a:schemeClr val="accent1">
+                  <a:shade val="50000"/>
+                </a:schemeClr>
+              </a:lnRef>
+              <a:fillRef idx="1">
+                <a:schemeClr val="accent1"/>
+              </a:fillRef>
+              <a:effectRef idx="0">
+                <a:schemeClr val="accent1"/>
+              </a:effectRef>
+              <a:fontRef idx="minor">
+                <a:schemeClr val="lt1"/>
+              </a:fontRef>
+            </p:style>
+            <p:txBody>
+              <a:bodyPr rtlCol="0" anchor="ctr"/>
+              <a:lstStyle/>
+              <a:p>
+                <a:pPr algn="just"/>
+                <a14:m>
+                  <m:oMathPara xmlns:m="http://schemas.openxmlformats.org/officeDocument/2006/math">
+                    <m:oMathParaPr>
+                      <m:jc m:val="center"/>
+                    </m:oMathParaPr>
+                    <m:oMath xmlns:m="http://schemas.openxmlformats.org/officeDocument/2006/math">
+                      <m:r>
+                        <a:rPr lang="de-DE" b="0" i="1" smtClean="0">
+                          <a:solidFill>
+                            <a:schemeClr val="tx1"/>
+                          </a:solidFill>
+                          <a:latin typeface="Cambria Math" panose="02040503050406030204" pitchFamily="18" charset="0"/>
+                        </a:rPr>
+                        <m:t>…</m:t>
+                      </m:r>
+                    </m:oMath>
+                  </m:oMathPara>
+                </a14:m>
+                <a:endParaRPr lang="de-DE" dirty="0">
+                  <a:solidFill>
+                    <a:schemeClr val="tx1"/>
+                  </a:solidFill>
+                </a:endParaRPr>
+              </a:p>
+            </p:txBody>
+          </p:sp>
+        </mc:Choice>
+        <mc:Fallback xmlns="">
+          <p:sp>
+            <p:nvSpPr>
+              <p:cNvPr id="52" name="Rechteck 51"/>
+              <p:cNvSpPr>
+                <a:spLocks noRot="1" noChangeAspect="1" noMove="1" noResize="1" noEditPoints="1" noAdjustHandles="1" noChangeArrowheads="1" noChangeShapeType="1" noTextEdit="1"/>
+              </p:cNvSpPr>
+              <p:nvPr/>
+            </p:nvSpPr>
+            <p:spPr>
+              <a:xfrm>
+                <a:off x="6952121" y="5806483"/>
+                <a:ext cx="989542" cy="633645"/>
+              </a:xfrm>
+              <a:prstGeom prst="rect">
+                <a:avLst/>
+              </a:prstGeom>
+              <a:blipFill rotWithShape="0">
+                <a:blip r:embed="rId18"/>
+                <a:stretch>
+                  <a:fillRect/>
+                </a:stretch>
+              </a:blipFill>
+              <a:ln w="38100">
+                <a:solidFill>
+                  <a:schemeClr val="tx1"/>
+                </a:solidFill>
+              </a:ln>
+            </p:spPr>
+            <p:txBody>
+              <a:bodyPr/>
+              <a:lstStyle/>
+              <a:p>
+                <a:r>
+                  <a:rPr lang="de-DE">
+                    <a:noFill/>
+                  </a:rPr>
+                  <a:t> </a:t>
+                </a:r>
+              </a:p>
+            </p:txBody>
+          </p:sp>
+        </mc:Fallback>
+      </mc:AlternateContent>
+      <p:cxnSp>
+        <p:nvCxnSpPr>
+          <p:cNvPr id="53" name="Gewinkelte Verbindung 52"/>
+          <p:cNvCxnSpPr>
+            <a:stCxn id="14" idx="2"/>
+            <a:endCxn id="50" idx="0"/>
+          </p:cNvCxnSpPr>
+          <p:nvPr/>
+        </p:nvCxnSpPr>
+        <p:spPr>
+          <a:xfrm>
+            <a:off x="4182582" y="5230760"/>
+            <a:ext cx="0" cy="575723"/>
+          </a:xfrm>
+          <a:prstGeom prst="straightConnector1">
+            <a:avLst/>
+          </a:prstGeom>
+          <a:ln w="38100">
+            <a:solidFill>
+              <a:schemeClr val="accent2">
+                <a:lumMod val="75000"/>
+              </a:schemeClr>
+            </a:solidFill>
+            <a:tailEnd type="triangle"/>
+          </a:ln>
+        </p:spPr>
+        <p:style>
+          <a:lnRef idx="1">
+            <a:schemeClr val="accent1"/>
+          </a:lnRef>
+          <a:fillRef idx="0">
+            <a:schemeClr val="accent1"/>
+          </a:fillRef>
+          <a:effectRef idx="0">
+            <a:schemeClr val="accent1"/>
+          </a:effectRef>
+          <a:fontRef idx="minor">
+            <a:schemeClr val="tx1"/>
+          </a:fontRef>
+        </p:style>
+      </p:cxnSp>
+      <p:cxnSp>
+        <p:nvCxnSpPr>
+          <p:cNvPr id="58" name="Gewinkelte Verbindung 52"/>
+          <p:cNvCxnSpPr>
+            <a:stCxn id="15" idx="2"/>
+            <a:endCxn id="51" idx="0"/>
+          </p:cNvCxnSpPr>
+          <p:nvPr/>
+        </p:nvCxnSpPr>
+        <p:spPr>
+          <a:xfrm>
+            <a:off x="5814737" y="5230760"/>
+            <a:ext cx="0" cy="575724"/>
+          </a:xfrm>
+          <a:prstGeom prst="straightConnector1">
+            <a:avLst/>
+          </a:prstGeom>
+          <a:ln w="38100">
+            <a:solidFill>
+              <a:schemeClr val="accent2">
+                <a:lumMod val="75000"/>
+              </a:schemeClr>
+            </a:solidFill>
+            <a:tailEnd type="triangle"/>
+          </a:ln>
+        </p:spPr>
+        <p:style>
+          <a:lnRef idx="1">
+            <a:schemeClr val="accent1"/>
+          </a:lnRef>
+          <a:fillRef idx="0">
+            <a:schemeClr val="accent1"/>
+          </a:fillRef>
+          <a:effectRef idx="0">
+            <a:schemeClr val="accent1"/>
+          </a:effectRef>
+          <a:fontRef idx="minor">
+            <a:schemeClr val="tx1"/>
+          </a:fontRef>
+        </p:style>
+      </p:cxnSp>
+      <p:cxnSp>
+        <p:nvCxnSpPr>
+          <p:cNvPr id="61" name="Gewinkelte Verbindung 52"/>
+          <p:cNvCxnSpPr>
+            <a:stCxn id="16" idx="2"/>
+            <a:endCxn id="52" idx="0"/>
+          </p:cNvCxnSpPr>
+          <p:nvPr/>
+        </p:nvCxnSpPr>
+        <p:spPr>
+          <a:xfrm>
+            <a:off x="7446892" y="5230759"/>
+            <a:ext cx="0" cy="575724"/>
+          </a:xfrm>
+          <a:prstGeom prst="straightConnector1">
+            <a:avLst/>
+          </a:prstGeom>
+          <a:ln w="38100">
+            <a:solidFill>
+              <a:schemeClr val="accent2">
+                <a:lumMod val="75000"/>
+              </a:schemeClr>
+            </a:solidFill>
+            <a:tailEnd type="triangle"/>
+          </a:ln>
+        </p:spPr>
+        <p:style>
+          <a:lnRef idx="1">
+            <a:schemeClr val="accent1"/>
+          </a:lnRef>
+          <a:fillRef idx="0">
+            <a:schemeClr val="accent1"/>
+          </a:fillRef>
+          <a:effectRef idx="0">
+            <a:schemeClr val="accent1"/>
+          </a:effectRef>
+          <a:fontRef idx="minor">
+            <a:schemeClr val="tx1"/>
+          </a:fontRef>
+        </p:style>
+      </p:cxnSp>
+      <p:sp>
+        <p:nvSpPr>
+          <p:cNvPr id="66" name="Textfeld 65"/>
+          <p:cNvSpPr txBox="1"/>
+          <p:nvPr/>
+        </p:nvSpPr>
+        <p:spPr>
+          <a:xfrm>
+            <a:off x="6420464" y="5891709"/>
+            <a:ext cx="1445342" cy="369332"/>
+          </a:xfrm>
+          <a:prstGeom prst="rect">
+            <a:avLst/>
+          </a:prstGeom>
+          <a:noFill/>
+        </p:spPr>
+        <p:txBody>
+          <a:bodyPr wrap="square" rtlCol="0">
+            <a:spAutoFit/>
+          </a:bodyPr>
+          <a:lstStyle/>
+          <a:p>
+            <a:r>
+              <a:rPr lang="de-DE" dirty="0" smtClean="0"/>
+              <a:t>…</a:t>
+            </a:r>
+            <a:endParaRPr lang="de-DE" dirty="0"/>
+          </a:p>
+        </p:txBody>
+      </p:sp>
+      <p:sp>
+        <p:nvSpPr>
+          <p:cNvPr id="67" name="Textfeld 66"/>
+          <p:cNvSpPr txBox="1"/>
+          <p:nvPr/>
+        </p:nvSpPr>
+        <p:spPr>
+          <a:xfrm>
+            <a:off x="4822558" y="5891709"/>
+            <a:ext cx="1445342" cy="369332"/>
+          </a:xfrm>
+          <a:prstGeom prst="rect">
+            <a:avLst/>
+          </a:prstGeom>
+          <a:noFill/>
+        </p:spPr>
+        <p:txBody>
+          <a:bodyPr wrap="square" rtlCol="0">
+            <a:spAutoFit/>
+          </a:bodyPr>
+          <a:lstStyle/>
+          <a:p>
+            <a:r>
+              <a:rPr lang="de-DE" dirty="0" smtClean="0"/>
+              <a:t>…</a:t>
+            </a:r>
+            <a:endParaRPr lang="de-DE" dirty="0"/>
+          </a:p>
+        </p:txBody>
+      </p:sp>
+      <p:sp>
+        <p:nvSpPr>
+          <p:cNvPr id="68" name="Textfeld 67"/>
+          <p:cNvSpPr txBox="1"/>
+          <p:nvPr/>
+        </p:nvSpPr>
+        <p:spPr>
+          <a:xfrm>
+            <a:off x="3232011" y="5891709"/>
+            <a:ext cx="1445342" cy="369332"/>
+          </a:xfrm>
+          <a:prstGeom prst="rect">
+            <a:avLst/>
+          </a:prstGeom>
+          <a:noFill/>
+        </p:spPr>
+        <p:txBody>
+          <a:bodyPr wrap="square" rtlCol="0">
+            <a:spAutoFit/>
+          </a:bodyPr>
+          <a:lstStyle/>
+          <a:p>
+            <a:r>
+              <a:rPr lang="de-DE" dirty="0" smtClean="0"/>
+              <a:t>…</a:t>
+            </a:r>
+            <a:endParaRPr lang="de-DE" dirty="0"/>
+          </a:p>
+        </p:txBody>
+      </p:sp>
+    </p:spTree>
+    <p:extLst>
+      <p:ext uri="{BB962C8B-B14F-4D97-AF65-F5344CB8AC3E}">
+        <p14:creationId xmlns:p14="http://schemas.microsoft.com/office/powerpoint/2010/main" val="12802226"/>
+      </p:ext>
+    </p:extLst>
+  </p:cSld>
+  <p:clrMapOvr>
+    <a:masterClrMapping/>
+  </p:clrMapOvr>
 </p:sld>
 </file>
 
